--- a/TD_IngenierieSystemes/CI_01_IS_TD_01_SysReeduc/images/Old/ChaineFonctionnelle.pptx
+++ b/TD_IngenierieSystemes/CI_01_IS_TD_01_SysReeduc/images/Old/ChaineFonctionnelle.pptx
@@ -291,7 +291,7 @@
           <a:p>
             <a:fld id="{6D9FB838-520D-4610-8278-6A43259A4B46}" type="datetimeFigureOut">
               <a:rPr lang="fr-FR" smtClean="0"/>
-              <a:t>12/09/2013</a:t>
+              <a:t>05/08/2014</a:t>
             </a:fld>
             <a:endParaRPr lang="fr-FR"/>
           </a:p>
@@ -461,7 +461,7 @@
           <a:p>
             <a:fld id="{6D9FB838-520D-4610-8278-6A43259A4B46}" type="datetimeFigureOut">
               <a:rPr lang="fr-FR" smtClean="0"/>
-              <a:t>12/09/2013</a:t>
+              <a:t>05/08/2014</a:t>
             </a:fld>
             <a:endParaRPr lang="fr-FR"/>
           </a:p>
@@ -641,7 +641,7 @@
           <a:p>
             <a:fld id="{6D9FB838-520D-4610-8278-6A43259A4B46}" type="datetimeFigureOut">
               <a:rPr lang="fr-FR" smtClean="0"/>
-              <a:t>12/09/2013</a:t>
+              <a:t>05/08/2014</a:t>
             </a:fld>
             <a:endParaRPr lang="fr-FR"/>
           </a:p>
@@ -811,7 +811,7 @@
           <a:p>
             <a:fld id="{6D9FB838-520D-4610-8278-6A43259A4B46}" type="datetimeFigureOut">
               <a:rPr lang="fr-FR" smtClean="0"/>
-              <a:t>12/09/2013</a:t>
+              <a:t>05/08/2014</a:t>
             </a:fld>
             <a:endParaRPr lang="fr-FR"/>
           </a:p>
@@ -1057,7 +1057,7 @@
           <a:p>
             <a:fld id="{6D9FB838-520D-4610-8278-6A43259A4B46}" type="datetimeFigureOut">
               <a:rPr lang="fr-FR" smtClean="0"/>
-              <a:t>12/09/2013</a:t>
+              <a:t>05/08/2014</a:t>
             </a:fld>
             <a:endParaRPr lang="fr-FR"/>
           </a:p>
@@ -1345,7 +1345,7 @@
           <a:p>
             <a:fld id="{6D9FB838-520D-4610-8278-6A43259A4B46}" type="datetimeFigureOut">
               <a:rPr lang="fr-FR" smtClean="0"/>
-              <a:t>12/09/2013</a:t>
+              <a:t>05/08/2014</a:t>
             </a:fld>
             <a:endParaRPr lang="fr-FR"/>
           </a:p>
@@ -1767,7 +1767,7 @@
           <a:p>
             <a:fld id="{6D9FB838-520D-4610-8278-6A43259A4B46}" type="datetimeFigureOut">
               <a:rPr lang="fr-FR" smtClean="0"/>
-              <a:t>12/09/2013</a:t>
+              <a:t>05/08/2014</a:t>
             </a:fld>
             <a:endParaRPr lang="fr-FR"/>
           </a:p>
@@ -1885,7 +1885,7 @@
           <a:p>
             <a:fld id="{6D9FB838-520D-4610-8278-6A43259A4B46}" type="datetimeFigureOut">
               <a:rPr lang="fr-FR" smtClean="0"/>
-              <a:t>12/09/2013</a:t>
+              <a:t>05/08/2014</a:t>
             </a:fld>
             <a:endParaRPr lang="fr-FR"/>
           </a:p>
@@ -1980,7 +1980,7 @@
           <a:p>
             <a:fld id="{6D9FB838-520D-4610-8278-6A43259A4B46}" type="datetimeFigureOut">
               <a:rPr lang="fr-FR" smtClean="0"/>
-              <a:t>12/09/2013</a:t>
+              <a:t>05/08/2014</a:t>
             </a:fld>
             <a:endParaRPr lang="fr-FR"/>
           </a:p>
@@ -2257,7 +2257,7 @@
           <a:p>
             <a:fld id="{6D9FB838-520D-4610-8278-6A43259A4B46}" type="datetimeFigureOut">
               <a:rPr lang="fr-FR" smtClean="0"/>
-              <a:t>12/09/2013</a:t>
+              <a:t>05/08/2014</a:t>
             </a:fld>
             <a:endParaRPr lang="fr-FR"/>
           </a:p>
@@ -2510,7 +2510,7 @@
           <a:p>
             <a:fld id="{6D9FB838-520D-4610-8278-6A43259A4B46}" type="datetimeFigureOut">
               <a:rPr lang="fr-FR" smtClean="0"/>
-              <a:t>12/09/2013</a:t>
+              <a:t>05/08/2014</a:t>
             </a:fld>
             <a:endParaRPr lang="fr-FR"/>
           </a:p>
@@ -2723,7 +2723,7 @@
           <a:p>
             <a:fld id="{6D9FB838-520D-4610-8278-6A43259A4B46}" type="datetimeFigureOut">
               <a:rPr lang="fr-FR" smtClean="0"/>
-              <a:t>12/09/2013</a:t>
+              <a:t>05/08/2014</a:t>
             </a:fld>
             <a:endParaRPr lang="fr-FR"/>
           </a:p>
@@ -5544,8 +5544,8 @@
         </p:nvSpPr>
         <p:spPr>
           <a:xfrm>
-            <a:off x="-1370667" y="3120620"/>
-            <a:ext cx="12666406" cy="1729778"/>
+            <a:off x="463753" y="3120620"/>
+            <a:ext cx="10831986" cy="1729778"/>
           </a:xfrm>
           <a:prstGeom prst="roundRect">
             <a:avLst/>
@@ -5610,10 +5610,10 @@
         </p:nvGrpSpPr>
         <p:grpSpPr>
           <a:xfrm>
-            <a:off x="-1910578" y="3415083"/>
-            <a:ext cx="13014056" cy="576000"/>
-            <a:chOff x="-1910578" y="3415083"/>
-            <a:chExt cx="13014056" cy="576000"/>
+            <a:off x="261595" y="3415083"/>
+            <a:ext cx="10841883" cy="576000"/>
+            <a:chOff x="261595" y="3415083"/>
+            <a:chExt cx="10841883" cy="576000"/>
           </a:xfrm>
         </p:grpSpPr>
         <p:sp>
@@ -5917,13 +5917,13 @@
           <p:spPr>
             <a:xfrm>
               <a:off x="261595" y="3700296"/>
-              <a:ext cx="720240" cy="2787"/>
+              <a:ext cx="720240" cy="0"/>
             </a:xfrm>
             <a:prstGeom prst="line">
               <a:avLst/>
             </a:prstGeom>
             <a:noFill/>
-            <a:ln w="28575" cap="flat" cmpd="sng" algn="ctr">
+            <a:ln w="28575" cap="flat" cmpd="dbl" algn="ctr">
               <a:solidFill>
                 <a:srgbClr val="C0504D">
                   <a:shade val="95000"/>
@@ -5948,13 +5948,13 @@
           <p:spPr>
             <a:xfrm flipV="1">
               <a:off x="4556766" y="3703083"/>
-              <a:ext cx="765922" cy="2787"/>
+              <a:ext cx="765922" cy="0"/>
             </a:xfrm>
             <a:prstGeom prst="line">
               <a:avLst/>
             </a:prstGeom>
             <a:noFill/>
-            <a:ln w="28575" cap="flat" cmpd="sng" algn="ctr">
+            <a:ln w="28575" cap="flat" cmpd="dbl" algn="ctr">
               <a:solidFill>
                 <a:srgbClr val="C0504D">
                   <a:shade val="95000"/>
@@ -5979,13 +5979,13 @@
           <p:spPr>
             <a:xfrm>
               <a:off x="6762688" y="3700296"/>
-              <a:ext cx="699866" cy="2787"/>
+              <a:ext cx="699866" cy="0"/>
             </a:xfrm>
             <a:prstGeom prst="line">
               <a:avLst/>
             </a:prstGeom>
             <a:noFill/>
-            <a:ln w="28575" cap="flat" cmpd="sng" algn="ctr">
+            <a:ln w="28575" cap="flat" cmpd="dbl" algn="ctr">
               <a:solidFill>
                 <a:srgbClr val="C0504D">
                   <a:shade val="95000"/>
@@ -5999,124 +5999,6 @@
             <a:effectLst/>
           </p:spPr>
         </p:cxnSp>
-        <p:sp>
-          <p:nvSpPr>
-            <p:cNvPr id="94" name="Rectangle 93"/>
-            <p:cNvSpPr/>
-            <p:nvPr/>
-          </p:nvSpPr>
-          <p:spPr>
-            <a:xfrm>
-              <a:off x="-1178405" y="3415083"/>
-              <a:ext cx="1440000" cy="576000"/>
-            </a:xfrm>
-            <a:prstGeom prst="rect">
-              <a:avLst/>
-            </a:prstGeom>
-            <a:gradFill rotWithShape="1">
-              <a:gsLst>
-                <a:gs pos="0">
-                  <a:srgbClr val="C0504D">
-                    <a:tint val="50000"/>
-                    <a:satMod val="300000"/>
-                  </a:srgbClr>
-                </a:gs>
-                <a:gs pos="35000">
-                  <a:srgbClr val="C0504D">
-                    <a:tint val="37000"/>
-                    <a:satMod val="300000"/>
-                  </a:srgbClr>
-                </a:gs>
-                <a:gs pos="100000">
-                  <a:srgbClr val="C0504D">
-                    <a:tint val="15000"/>
-                    <a:satMod val="350000"/>
-                  </a:srgbClr>
-                </a:gs>
-              </a:gsLst>
-              <a:lin ang="16200000" scaled="1"/>
-            </a:gradFill>
-            <a:ln w="9525" cap="flat" cmpd="sng" algn="ctr">
-              <a:solidFill>
-                <a:srgbClr val="C0504D">
-                  <a:shade val="95000"/>
-                  <a:satMod val="105000"/>
-                </a:srgbClr>
-              </a:solidFill>
-              <a:prstDash val="solid"/>
-            </a:ln>
-            <a:effectLst>
-              <a:outerShdw blurRad="40000" dist="20000" dir="5400000" rotWithShape="0">
-                <a:srgbClr val="000000">
-                  <a:alpha val="38000"/>
-                </a:srgbClr>
-              </a:outerShdw>
-            </a:effectLst>
-          </p:spPr>
-          <p:txBody>
-            <a:bodyPr rtlCol="0" anchor="ctr"/>
-            <a:lstStyle/>
-            <a:p>
-              <a:pPr marL="0" marR="0" lvl="0" indent="0" algn="ctr" defTabSz="914400" eaLnBrk="1" fontAlgn="auto" latinLnBrk="0" hangingPunct="1">
-                <a:lnSpc>
-                  <a:spcPct val="100000"/>
-                </a:lnSpc>
-                <a:spcBef>
-                  <a:spcPts val="0"/>
-                </a:spcBef>
-                <a:spcAft>
-                  <a:spcPts val="0"/>
-                </a:spcAft>
-                <a:buClrTx/>
-                <a:buSzTx/>
-                <a:buFontTx/>
-                <a:buNone/>
-                <a:tabLst/>
-                <a:defRPr/>
-              </a:pPr>
-              <a:r>
-                <a:rPr lang="fr-FR" sz="1200" kern="0" dirty="0" smtClean="0">
-                  <a:solidFill>
-                    <a:prstClr val="black"/>
-                  </a:solidFill>
-                  <a:latin typeface="Calibri"/>
-                </a:rPr>
-                <a:t>STOCKER</a:t>
-              </a:r>
-            </a:p>
-            <a:p>
-              <a:pPr marL="0" marR="0" lvl="0" indent="0" algn="ctr" defTabSz="914400" eaLnBrk="1" fontAlgn="auto" latinLnBrk="0" hangingPunct="1">
-                <a:lnSpc>
-                  <a:spcPct val="100000"/>
-                </a:lnSpc>
-                <a:spcBef>
-                  <a:spcPts val="0"/>
-                </a:spcBef>
-                <a:spcAft>
-                  <a:spcPts val="0"/>
-                </a:spcAft>
-                <a:buClrTx/>
-                <a:buSzTx/>
-                <a:buFontTx/>
-                <a:buNone/>
-                <a:tabLst/>
-                <a:defRPr/>
-              </a:pPr>
-              <a:endParaRPr kumimoji="0" lang="fr-FR" sz="1200" b="0" i="0" u="none" strike="noStrike" kern="0" cap="none" spc="0" normalizeH="0" baseline="0" noProof="0" dirty="0" smtClean="0">
-                <a:ln>
-                  <a:noFill/>
-                </a:ln>
-                <a:solidFill>
-                  <a:prstClr val="black"/>
-                </a:solidFill>
-                <a:effectLst/>
-                <a:uLnTx/>
-                <a:uFillTx/>
-                <a:latin typeface="Calibri"/>
-              </a:endParaRPr>
-            </a:p>
-          </p:txBody>
-        </p:sp>
         <p:sp>
           <p:nvSpPr>
             <p:cNvPr id="102" name="Rectangle 101"/>
@@ -6265,13 +6147,13 @@
           <p:spPr>
             <a:xfrm flipV="1">
               <a:off x="2421835" y="3703083"/>
-              <a:ext cx="694931" cy="2787"/>
+              <a:ext cx="694931" cy="0"/>
             </a:xfrm>
             <a:prstGeom prst="line">
               <a:avLst/>
             </a:prstGeom>
             <a:noFill/>
-            <a:ln w="28575" cap="flat" cmpd="sng" algn="ctr">
+            <a:ln w="28575" cap="flat" cmpd="dbl" algn="ctr">
               <a:solidFill>
                 <a:srgbClr val="C0504D">
                   <a:shade val="95000"/>
@@ -6583,42 +6465,13 @@
           <p:spPr>
             <a:xfrm>
               <a:off x="8902554" y="3700296"/>
-              <a:ext cx="760924" cy="2787"/>
+              <a:ext cx="760924" cy="0"/>
             </a:xfrm>
             <a:prstGeom prst="line">
               <a:avLst/>
             </a:prstGeom>
             <a:noFill/>
-            <a:ln w="28575" cap="flat" cmpd="sng" algn="ctr">
-              <a:solidFill>
-                <a:srgbClr val="C0504D">
-                  <a:shade val="95000"/>
-                  <a:satMod val="105000"/>
-                </a:srgbClr>
-              </a:solidFill>
-              <a:prstDash val="solid"/>
-              <a:headEnd type="none" w="med" len="med"/>
-              <a:tailEnd type="arrow" w="med" len="med"/>
-            </a:ln>
-            <a:effectLst/>
-          </p:spPr>
-        </p:cxnSp>
-        <p:cxnSp>
-          <p:nvCxnSpPr>
-            <p:cNvPr id="179" name="Connecteur droit 178"/>
-            <p:cNvCxnSpPr/>
-            <p:nvPr/>
-          </p:nvCxnSpPr>
-          <p:spPr>
-            <a:xfrm>
-              <a:off x="-1910578" y="3697509"/>
-              <a:ext cx="720240" cy="2787"/>
-            </a:xfrm>
-            <a:prstGeom prst="line">
-              <a:avLst/>
-            </a:prstGeom>
-            <a:noFill/>
-            <a:ln w="28575" cap="flat" cmpd="sng" algn="ctr">
+            <a:ln w="28575" cap="flat" cmpd="dbl" algn="ctr">
               <a:solidFill>
                 <a:srgbClr val="C0504D">
                   <a:shade val="95000"/>
@@ -6721,10 +6574,10 @@
           </p:nvGrpSpPr>
           <p:grpSpPr>
             <a:xfrm>
-              <a:off x="135397" y="552192"/>
-              <a:ext cx="8707015" cy="1390312"/>
-              <a:chOff x="251520" y="552192"/>
-              <a:chExt cx="8707015" cy="1390312"/>
+              <a:off x="135397" y="33278"/>
+              <a:ext cx="8707015" cy="1909226"/>
+              <a:chOff x="251520" y="33278"/>
+              <a:chExt cx="8707015" cy="1909226"/>
             </a:xfrm>
           </p:grpSpPr>
           <p:sp>
@@ -6735,7 +6588,7 @@
             </p:nvSpPr>
             <p:spPr>
               <a:xfrm>
-                <a:off x="251520" y="552192"/>
+                <a:off x="251520" y="33278"/>
                 <a:ext cx="1440000" cy="576000"/>
               </a:xfrm>
               <a:prstGeom prst="rect">
@@ -7114,7 +6967,16 @@
                     </a:solidFill>
                     <a:latin typeface="Calibri"/>
                   </a:rPr>
-                  <a:t>Carte de commande</a:t>
+                  <a:t>Interface Homme </a:t>
+                </a:r>
+                <a:r>
+                  <a:rPr lang="fr-FR" sz="1000" kern="0" dirty="0" smtClean="0">
+                    <a:solidFill>
+                      <a:prstClr val="black"/>
+                    </a:solidFill>
+                    <a:latin typeface="Calibri"/>
+                  </a:rPr>
+                  <a:t>Machine</a:t>
                 </a:r>
                 <a:endParaRPr kumimoji="0" lang="fr-FR" sz="1000" b="0" i="0" u="none" strike="noStrike" kern="0" cap="none" spc="0" normalizeH="0" baseline="0" noProof="0" dirty="0" smtClean="0">
                   <a:ln>
@@ -7137,15 +6999,14 @@
             <p:nvCxnSpPr>
               <p:cNvPr id="14" name="Connecteur droit avec flèche 13"/>
               <p:cNvCxnSpPr>
-                <a:stCxn id="5" idx="3"/>
                 <a:endCxn id="51" idx="1"/>
               </p:cNvCxnSpPr>
               <p:nvPr/>
             </p:nvCxnSpPr>
             <p:spPr>
               <a:xfrm>
-                <a:off x="1691520" y="840192"/>
-                <a:ext cx="720240" cy="0"/>
+                <a:off x="1969119" y="840192"/>
+                <a:ext cx="442641" cy="0"/>
               </a:xfrm>
               <a:prstGeom prst="straightConnector1">
                 <a:avLst/>
@@ -7667,74 +7528,6 @@
           </a:p>
         </p:txBody>
       </p:sp>
-      <p:sp>
-        <p:nvSpPr>
-          <p:cNvPr id="141" name="ZoneTexte 140"/>
-          <p:cNvSpPr txBox="1"/>
-          <p:nvPr/>
-        </p:nvSpPr>
-        <p:spPr>
-          <a:xfrm>
-            <a:off x="-1178405" y="764704"/>
-            <a:ext cx="1370667" cy="461665"/>
-          </a:xfrm>
-          <a:prstGeom prst="rect">
-            <a:avLst/>
-          </a:prstGeom>
-          <a:noFill/>
-        </p:spPr>
-        <p:txBody>
-          <a:bodyPr wrap="square" rtlCol="0">
-            <a:spAutoFit/>
-          </a:bodyPr>
-          <a:lstStyle/>
-          <a:p>
-            <a:r>
-              <a:rPr lang="fr-FR" sz="1200" b="1" i="1" dirty="0" smtClean="0">
-                <a:solidFill>
-                  <a:schemeClr val="tx2"/>
-                </a:solidFill>
-              </a:rPr>
-              <a:t>Consignes de l’utilisateur</a:t>
-            </a:r>
-            <a:endParaRPr lang="fr-FR" sz="1200" b="1" i="1" dirty="0">
-              <a:solidFill>
-                <a:schemeClr val="tx2"/>
-              </a:solidFill>
-            </a:endParaRPr>
-          </a:p>
-        </p:txBody>
-      </p:sp>
-      <p:cxnSp>
-        <p:nvCxnSpPr>
-          <p:cNvPr id="143" name="Connecteur droit avec flèche 142"/>
-          <p:cNvCxnSpPr>
-            <a:stCxn id="141" idx="3"/>
-          </p:cNvCxnSpPr>
-          <p:nvPr/>
-        </p:nvCxnSpPr>
-        <p:spPr>
-          <a:xfrm>
-            <a:off x="192262" y="995537"/>
-            <a:ext cx="511974" cy="0"/>
-          </a:xfrm>
-          <a:prstGeom prst="straightConnector1">
-            <a:avLst/>
-          </a:prstGeom>
-          <a:noFill/>
-          <a:ln w="28575" cap="flat" cmpd="sng" algn="ctr">
-            <a:solidFill>
-              <a:srgbClr val="4F81BD">
-                <a:shade val="95000"/>
-                <a:satMod val="105000"/>
-              </a:srgbClr>
-            </a:solidFill>
-            <a:prstDash val="solid"/>
-            <a:tailEnd type="arrow"/>
-          </a:ln>
-          <a:effectLst/>
-        </p:spPr>
-      </p:cxnSp>
       <p:cxnSp>
         <p:nvCxnSpPr>
           <p:cNvPr id="147" name="Connecteur droit 146"/>
@@ -7743,8 +7536,8 @@
         </p:nvCxnSpPr>
         <p:spPr>
           <a:xfrm>
-            <a:off x="192262" y="1277319"/>
-            <a:ext cx="518476" cy="1"/>
+            <a:off x="0" y="620656"/>
+            <a:ext cx="722991" cy="1"/>
           </a:xfrm>
           <a:prstGeom prst="line">
             <a:avLst/>
@@ -7769,8 +7562,8 @@
         </p:nvCxnSpPr>
         <p:spPr>
           <a:xfrm flipV="1">
-            <a:off x="192262" y="1277319"/>
-            <a:ext cx="0" cy="1500821"/>
+            <a:off x="2421835" y="620658"/>
+            <a:ext cx="0" cy="1407072"/>
           </a:xfrm>
           <a:prstGeom prst="line">
             <a:avLst/>
@@ -7795,8 +7588,8 @@
         </p:nvCxnSpPr>
         <p:spPr>
           <a:xfrm>
-            <a:off x="192262" y="2778140"/>
-            <a:ext cx="2924504" cy="0"/>
+            <a:off x="323528" y="2027730"/>
+            <a:ext cx="0" cy="594912"/>
           </a:xfrm>
           <a:prstGeom prst="line">
             <a:avLst/>
@@ -7816,13 +7609,15 @@
       <p:cxnSp>
         <p:nvCxnSpPr>
           <p:cNvPr id="157" name="Connecteur droit 156"/>
-          <p:cNvCxnSpPr/>
+          <p:cNvCxnSpPr>
+            <a:endCxn id="5" idx="3"/>
+          </p:cNvCxnSpPr>
           <p:nvPr/>
         </p:nvCxnSpPr>
         <p:spPr>
-          <a:xfrm flipV="1">
-            <a:off x="3116766" y="2778141"/>
-            <a:ext cx="0" cy="342479"/>
+          <a:xfrm flipH="1">
+            <a:off x="2144236" y="620656"/>
+            <a:ext cx="277599" cy="0"/>
           </a:xfrm>
           <a:prstGeom prst="line">
             <a:avLst/>
@@ -7929,14 +7724,14 @@
       </p:cxnSp>
       <p:sp>
         <p:nvSpPr>
-          <p:cNvPr id="177" name="Rectangle 176"/>
+          <p:cNvPr id="180" name="Rectangle 179"/>
           <p:cNvSpPr/>
           <p:nvPr/>
         </p:nvSpPr>
         <p:spPr>
           <a:xfrm>
-            <a:off x="5502578" y="2453365"/>
-            <a:ext cx="756938" cy="338554"/>
+            <a:off x="-858328" y="3403840"/>
+            <a:ext cx="1228926" cy="461665"/>
           </a:xfrm>
           <a:prstGeom prst="rect">
             <a:avLst/>
@@ -7950,79 +7745,14 @@
           <a:p>
             <a:pPr algn="ctr"/>
             <a:r>
-              <a:rPr lang="fr-FR" sz="1600" b="1" i="1" dirty="0" smtClean="0">
+              <a:rPr lang="fr-FR" sz="1200" b="1" i="1" dirty="0" smtClean="0">
                 <a:solidFill>
-                  <a:schemeClr val="tx2"/>
+                  <a:schemeClr val="accent2"/>
                 </a:solidFill>
               </a:rPr>
-              <a:t>Ordres</a:t>
+              <a:t>Énergie d’entrée</a:t>
             </a:r>
-            <a:endParaRPr lang="fr-FR" sz="1600" b="1" i="1" dirty="0">
-              <a:solidFill>
-                <a:schemeClr val="tx2"/>
-              </a:solidFill>
-            </a:endParaRPr>
-          </a:p>
-        </p:txBody>
-      </p:sp>
-      <p:sp>
-        <p:nvSpPr>
-          <p:cNvPr id="178" name="Rectangle 177"/>
-          <p:cNvSpPr/>
-          <p:nvPr/>
-        </p:nvSpPr>
-        <p:spPr>
-          <a:xfrm>
-            <a:off x="192262" y="2453492"/>
-            <a:ext cx="2924504" cy="338554"/>
-          </a:xfrm>
-          <a:prstGeom prst="rect">
-            <a:avLst/>
-          </a:prstGeom>
-        </p:spPr>
-        <p:txBody>
-          <a:bodyPr wrap="square">
-            <a:spAutoFit/>
-          </a:bodyPr>
-          <a:lstStyle/>
-          <a:p>
-            <a:pPr algn="ctr"/>
-            <a:r>
-              <a:rPr lang="fr-FR" sz="1600" b="1" i="1" dirty="0" smtClean="0">
-                <a:solidFill>
-                  <a:schemeClr val="tx2"/>
-                </a:solidFill>
-              </a:rPr>
-              <a:t>Grandeurs physiques à acquérir</a:t>
-            </a:r>
-            <a:endParaRPr lang="fr-FR" sz="1600" b="1" i="1" dirty="0">
-              <a:solidFill>
-                <a:schemeClr val="tx2"/>
-              </a:solidFill>
-            </a:endParaRPr>
-          </a:p>
-        </p:txBody>
-      </p:sp>
-      <p:sp>
-        <p:nvSpPr>
-          <p:cNvPr id="180" name="Rectangle 179"/>
-          <p:cNvSpPr/>
-          <p:nvPr/>
-        </p:nvSpPr>
-        <p:spPr>
-          <a:xfrm>
-            <a:off x="-2599593" y="3407241"/>
-            <a:ext cx="1228926" cy="276999"/>
-          </a:xfrm>
-          <a:prstGeom prst="rect">
-            <a:avLst/>
-          </a:prstGeom>
-        </p:spPr>
-        <p:txBody>
-          <a:bodyPr wrap="none">
-            <a:spAutoFit/>
-          </a:bodyPr>
-          <a:lstStyle/>
+          </a:p>
           <a:p>
             <a:pPr algn="ctr"/>
             <a:r>
@@ -8031,7 +7761,7 @@
                   <a:schemeClr val="accent2"/>
                 </a:solidFill>
               </a:rPr>
-              <a:t>Energie d’entrée</a:t>
+              <a:t>230 V ~</a:t>
             </a:r>
             <a:endParaRPr lang="fr-FR" sz="1200" b="1" i="1" dirty="0">
               <a:solidFill>
@@ -8123,7 +7853,7 @@
             <a:avLst/>
           </a:prstGeom>
           <a:noFill/>
-          <a:ln w="28575" cap="flat" cmpd="sng" algn="ctr">
+          <a:ln w="28575" cap="flat" cmpd="dbl" algn="ctr">
             <a:solidFill>
               <a:srgbClr val="C0504D">
                 <a:shade val="95000"/>
@@ -8536,6 +8266,592 @@
           </a:p>
         </p:txBody>
       </p:sp>
+      <p:sp>
+        <p:nvSpPr>
+          <p:cNvPr id="61" name="Rectangle 60"/>
+          <p:cNvSpPr/>
+          <p:nvPr/>
+        </p:nvSpPr>
+        <p:spPr>
+          <a:xfrm>
+            <a:off x="710738" y="1061056"/>
+            <a:ext cx="1440000" cy="576000"/>
+          </a:xfrm>
+          <a:prstGeom prst="rect">
+            <a:avLst/>
+          </a:prstGeom>
+          <a:gradFill rotWithShape="1">
+            <a:gsLst>
+              <a:gs pos="0">
+                <a:srgbClr val="4F81BD">
+                  <a:tint val="50000"/>
+                  <a:satMod val="300000"/>
+                </a:srgbClr>
+              </a:gs>
+              <a:gs pos="35000">
+                <a:srgbClr val="4F81BD">
+                  <a:tint val="37000"/>
+                  <a:satMod val="300000"/>
+                </a:srgbClr>
+              </a:gs>
+              <a:gs pos="100000">
+                <a:srgbClr val="4F81BD">
+                  <a:tint val="15000"/>
+                  <a:satMod val="350000"/>
+                </a:srgbClr>
+              </a:gs>
+            </a:gsLst>
+            <a:lin ang="16200000" scaled="1"/>
+          </a:gradFill>
+          <a:ln w="9525" cap="flat" cmpd="sng" algn="ctr">
+            <a:solidFill>
+              <a:srgbClr val="4F81BD">
+                <a:shade val="95000"/>
+                <a:satMod val="105000"/>
+              </a:srgbClr>
+            </a:solidFill>
+            <a:prstDash val="solid"/>
+          </a:ln>
+          <a:effectLst>
+            <a:outerShdw blurRad="40000" dist="20000" dir="5400000" rotWithShape="0">
+              <a:srgbClr val="000000">
+                <a:alpha val="38000"/>
+              </a:srgbClr>
+            </a:outerShdw>
+          </a:effectLst>
+        </p:spPr>
+        <p:txBody>
+          <a:bodyPr rtlCol="0" anchor="t"/>
+          <a:lstStyle/>
+          <a:p>
+            <a:pPr marL="0" marR="0" lvl="0" indent="0" algn="ctr" defTabSz="914400" eaLnBrk="1" fontAlgn="auto" latinLnBrk="0" hangingPunct="1">
+              <a:lnSpc>
+                <a:spcPct val="100000"/>
+              </a:lnSpc>
+              <a:spcBef>
+                <a:spcPts val="0"/>
+              </a:spcBef>
+              <a:spcAft>
+                <a:spcPts val="0"/>
+              </a:spcAft>
+              <a:buClrTx/>
+              <a:buSzTx/>
+              <a:buFontTx/>
+              <a:buNone/>
+              <a:tabLst/>
+              <a:defRPr/>
+            </a:pPr>
+            <a:r>
+              <a:rPr kumimoji="0" lang="fr-FR" sz="1000" b="0" i="0" u="none" strike="noStrike" kern="0" cap="none" spc="0" normalizeH="0" baseline="0" noProof="0" dirty="0" smtClean="0">
+                <a:ln>
+                  <a:noFill/>
+                </a:ln>
+                <a:solidFill>
+                  <a:prstClr val="black"/>
+                </a:solidFill>
+                <a:effectLst/>
+                <a:uLnTx/>
+                <a:uFillTx/>
+                <a:latin typeface="Calibri"/>
+              </a:rPr>
+              <a:t>ACQUERIR</a:t>
+            </a:r>
+          </a:p>
+          <a:p>
+            <a:pPr marL="0" marR="0" lvl="0" indent="0" algn="ctr" defTabSz="914400" eaLnBrk="1" fontAlgn="auto" latinLnBrk="0" hangingPunct="1">
+              <a:lnSpc>
+                <a:spcPct val="100000"/>
+              </a:lnSpc>
+              <a:spcBef>
+                <a:spcPts val="0"/>
+              </a:spcBef>
+              <a:spcAft>
+                <a:spcPts val="0"/>
+              </a:spcAft>
+              <a:buClrTx/>
+              <a:buSzTx/>
+              <a:buFontTx/>
+              <a:buNone/>
+              <a:tabLst/>
+              <a:defRPr/>
+            </a:pPr>
+            <a:r>
+              <a:rPr lang="fr-FR" sz="1000" kern="0" dirty="0" smtClean="0">
+                <a:solidFill>
+                  <a:prstClr val="black"/>
+                </a:solidFill>
+                <a:latin typeface="Calibri"/>
+              </a:rPr>
+              <a:t>Capteurs fin de course</a:t>
+            </a:r>
+            <a:endParaRPr kumimoji="0" lang="fr-FR" sz="1000" b="0" i="0" u="none" strike="noStrike" kern="0" cap="none" spc="0" normalizeH="0" baseline="0" noProof="0" dirty="0" smtClean="0">
+              <a:ln>
+                <a:noFill/>
+              </a:ln>
+              <a:solidFill>
+                <a:prstClr val="black"/>
+              </a:solidFill>
+              <a:effectLst/>
+              <a:uLnTx/>
+              <a:uFillTx/>
+              <a:latin typeface="Calibri"/>
+            </a:endParaRPr>
+          </a:p>
+        </p:txBody>
+      </p:sp>
+      <p:sp>
+        <p:nvSpPr>
+          <p:cNvPr id="62" name="Rectangle 61"/>
+          <p:cNvSpPr/>
+          <p:nvPr/>
+        </p:nvSpPr>
+        <p:spPr>
+          <a:xfrm>
+            <a:off x="704236" y="1739729"/>
+            <a:ext cx="1440000" cy="576000"/>
+          </a:xfrm>
+          <a:prstGeom prst="rect">
+            <a:avLst/>
+          </a:prstGeom>
+          <a:gradFill rotWithShape="1">
+            <a:gsLst>
+              <a:gs pos="0">
+                <a:srgbClr val="4F81BD">
+                  <a:tint val="50000"/>
+                  <a:satMod val="300000"/>
+                </a:srgbClr>
+              </a:gs>
+              <a:gs pos="35000">
+                <a:srgbClr val="4F81BD">
+                  <a:tint val="37000"/>
+                  <a:satMod val="300000"/>
+                </a:srgbClr>
+              </a:gs>
+              <a:gs pos="100000">
+                <a:srgbClr val="4F81BD">
+                  <a:tint val="15000"/>
+                  <a:satMod val="350000"/>
+                </a:srgbClr>
+              </a:gs>
+            </a:gsLst>
+            <a:lin ang="16200000" scaled="1"/>
+          </a:gradFill>
+          <a:ln w="9525" cap="flat" cmpd="sng" algn="ctr">
+            <a:solidFill>
+              <a:srgbClr val="4F81BD">
+                <a:shade val="95000"/>
+                <a:satMod val="105000"/>
+              </a:srgbClr>
+            </a:solidFill>
+            <a:prstDash val="solid"/>
+          </a:ln>
+          <a:effectLst>
+            <a:outerShdw blurRad="40000" dist="20000" dir="5400000" rotWithShape="0">
+              <a:srgbClr val="000000">
+                <a:alpha val="38000"/>
+              </a:srgbClr>
+            </a:outerShdw>
+          </a:effectLst>
+        </p:spPr>
+        <p:txBody>
+          <a:bodyPr rtlCol="0" anchor="t"/>
+          <a:lstStyle/>
+          <a:p>
+            <a:pPr marL="0" marR="0" lvl="0" indent="0" algn="ctr" defTabSz="914400" eaLnBrk="1" fontAlgn="auto" latinLnBrk="0" hangingPunct="1">
+              <a:lnSpc>
+                <a:spcPct val="100000"/>
+              </a:lnSpc>
+              <a:spcBef>
+                <a:spcPts val="0"/>
+              </a:spcBef>
+              <a:spcAft>
+                <a:spcPts val="0"/>
+              </a:spcAft>
+              <a:buClrTx/>
+              <a:buSzTx/>
+              <a:buFontTx/>
+              <a:buNone/>
+              <a:tabLst/>
+              <a:defRPr/>
+            </a:pPr>
+            <a:r>
+              <a:rPr kumimoji="0" lang="fr-FR" sz="1000" b="0" i="0" u="none" strike="noStrike" kern="0" cap="none" spc="0" normalizeH="0" baseline="0" noProof="0" dirty="0" smtClean="0">
+                <a:ln>
+                  <a:noFill/>
+                </a:ln>
+                <a:solidFill>
+                  <a:prstClr val="black"/>
+                </a:solidFill>
+                <a:effectLst/>
+                <a:uLnTx/>
+                <a:uFillTx/>
+                <a:latin typeface="Calibri"/>
+              </a:rPr>
+              <a:t>ACQUERIR</a:t>
+            </a:r>
+          </a:p>
+          <a:p>
+            <a:pPr marL="0" marR="0" lvl="0" indent="0" algn="ctr" defTabSz="914400" eaLnBrk="1" fontAlgn="auto" latinLnBrk="0" hangingPunct="1">
+              <a:lnSpc>
+                <a:spcPct val="100000"/>
+              </a:lnSpc>
+              <a:spcBef>
+                <a:spcPts val="0"/>
+              </a:spcBef>
+              <a:spcAft>
+                <a:spcPts val="0"/>
+              </a:spcAft>
+              <a:buClrTx/>
+              <a:buSzTx/>
+              <a:buFontTx/>
+              <a:buNone/>
+              <a:tabLst/>
+              <a:defRPr/>
+            </a:pPr>
+            <a:r>
+              <a:rPr lang="fr-FR" sz="1000" kern="0" dirty="0" smtClean="0">
+                <a:solidFill>
+                  <a:prstClr val="black"/>
+                </a:solidFill>
+                <a:latin typeface="Calibri"/>
+              </a:rPr>
+              <a:t>Capteur d’efforts</a:t>
+            </a:r>
+            <a:endParaRPr kumimoji="0" lang="fr-FR" sz="1000" b="0" i="0" u="none" strike="noStrike" kern="0" cap="none" spc="0" normalizeH="0" baseline="0" noProof="0" dirty="0" smtClean="0">
+              <a:ln>
+                <a:noFill/>
+              </a:ln>
+              <a:solidFill>
+                <a:prstClr val="black"/>
+              </a:solidFill>
+              <a:effectLst/>
+              <a:uLnTx/>
+              <a:uFillTx/>
+              <a:latin typeface="Calibri"/>
+            </a:endParaRPr>
+          </a:p>
+        </p:txBody>
+      </p:sp>
+      <p:cxnSp>
+        <p:nvCxnSpPr>
+          <p:cNvPr id="66" name="Connecteur droit 65"/>
+          <p:cNvCxnSpPr/>
+          <p:nvPr/>
+        </p:nvCxnSpPr>
+        <p:spPr>
+          <a:xfrm>
+            <a:off x="323528" y="2027729"/>
+            <a:ext cx="399463" cy="1"/>
+          </a:xfrm>
+          <a:prstGeom prst="line">
+            <a:avLst/>
+          </a:prstGeom>
+          <a:noFill/>
+          <a:ln w="28575" cap="flat" cmpd="sng" algn="ctr">
+            <a:solidFill>
+              <a:schemeClr val="accent1"/>
+            </a:solidFill>
+            <a:prstDash val="solid"/>
+            <a:headEnd type="none" w="med" len="med"/>
+            <a:tailEnd type="arrow" w="med" len="med"/>
+          </a:ln>
+          <a:effectLst/>
+        </p:spPr>
+      </p:cxnSp>
+      <p:cxnSp>
+        <p:nvCxnSpPr>
+          <p:cNvPr id="67" name="Connecteur droit 66"/>
+          <p:cNvCxnSpPr/>
+          <p:nvPr/>
+        </p:nvCxnSpPr>
+        <p:spPr>
+          <a:xfrm>
+            <a:off x="185760" y="1349056"/>
+            <a:ext cx="518476" cy="1"/>
+          </a:xfrm>
+          <a:prstGeom prst="line">
+            <a:avLst/>
+          </a:prstGeom>
+          <a:noFill/>
+          <a:ln w="28575" cap="flat" cmpd="sng" algn="ctr">
+            <a:solidFill>
+              <a:schemeClr val="accent1"/>
+            </a:solidFill>
+            <a:prstDash val="solid"/>
+            <a:headEnd type="none" w="med" len="med"/>
+            <a:tailEnd type="arrow" w="med" len="med"/>
+          </a:ln>
+          <a:effectLst/>
+        </p:spPr>
+      </p:cxnSp>
+      <p:cxnSp>
+        <p:nvCxnSpPr>
+          <p:cNvPr id="68" name="Connecteur droit 67"/>
+          <p:cNvCxnSpPr/>
+          <p:nvPr/>
+        </p:nvCxnSpPr>
+        <p:spPr>
+          <a:xfrm flipH="1">
+            <a:off x="2157835" y="1377736"/>
+            <a:ext cx="277599" cy="0"/>
+          </a:xfrm>
+          <a:prstGeom prst="line">
+            <a:avLst/>
+          </a:prstGeom>
+          <a:noFill/>
+          <a:ln w="28575" cap="flat" cmpd="sng" algn="ctr">
+            <a:solidFill>
+              <a:schemeClr val="accent1"/>
+            </a:solidFill>
+            <a:prstDash val="solid"/>
+            <a:headEnd type="none" w="med" len="med"/>
+            <a:tailEnd type="none" w="med" len="med"/>
+          </a:ln>
+          <a:effectLst/>
+        </p:spPr>
+      </p:cxnSp>
+      <p:cxnSp>
+        <p:nvCxnSpPr>
+          <p:cNvPr id="69" name="Connecteur droit 68"/>
+          <p:cNvCxnSpPr/>
+          <p:nvPr/>
+        </p:nvCxnSpPr>
+        <p:spPr>
+          <a:xfrm flipH="1">
+            <a:off x="2157836" y="2027730"/>
+            <a:ext cx="277599" cy="0"/>
+          </a:xfrm>
+          <a:prstGeom prst="line">
+            <a:avLst/>
+          </a:prstGeom>
+          <a:noFill/>
+          <a:ln w="28575" cap="flat" cmpd="sng" algn="ctr">
+            <a:solidFill>
+              <a:schemeClr val="accent1"/>
+            </a:solidFill>
+            <a:prstDash val="solid"/>
+            <a:headEnd type="none" w="med" len="med"/>
+            <a:tailEnd type="none" w="med" len="med"/>
+          </a:ln>
+          <a:effectLst/>
+        </p:spPr>
+      </p:cxnSp>
+      <p:cxnSp>
+        <p:nvCxnSpPr>
+          <p:cNvPr id="74" name="Connecteur droit 73"/>
+          <p:cNvCxnSpPr/>
+          <p:nvPr/>
+        </p:nvCxnSpPr>
+        <p:spPr>
+          <a:xfrm flipH="1">
+            <a:off x="323529" y="2622642"/>
+            <a:ext cx="9482033" cy="0"/>
+          </a:xfrm>
+          <a:prstGeom prst="line">
+            <a:avLst/>
+          </a:prstGeom>
+          <a:noFill/>
+          <a:ln w="28575" cap="flat" cmpd="sng" algn="ctr">
+            <a:solidFill>
+              <a:schemeClr val="accent1"/>
+            </a:solidFill>
+            <a:prstDash val="solid"/>
+            <a:headEnd type="none" w="med" len="med"/>
+            <a:tailEnd type="none" w="med" len="med"/>
+          </a:ln>
+          <a:effectLst/>
+        </p:spPr>
+      </p:cxnSp>
+      <p:cxnSp>
+        <p:nvCxnSpPr>
+          <p:cNvPr id="78" name="Connecteur droit avec flèche 77"/>
+          <p:cNvCxnSpPr/>
+          <p:nvPr/>
+        </p:nvCxnSpPr>
+        <p:spPr>
+          <a:xfrm flipV="1">
+            <a:off x="9805562" y="2622642"/>
+            <a:ext cx="0" cy="792441"/>
+          </a:xfrm>
+          <a:prstGeom prst="straightConnector1">
+            <a:avLst/>
+          </a:prstGeom>
+          <a:noFill/>
+          <a:ln w="28575" cap="flat" cmpd="sng" algn="ctr">
+            <a:solidFill>
+              <a:srgbClr val="4F81BD">
+                <a:shade val="95000"/>
+                <a:satMod val="105000"/>
+              </a:srgbClr>
+            </a:solidFill>
+            <a:prstDash val="solid"/>
+            <a:headEnd type="none" w="med" len="med"/>
+            <a:tailEnd type="none" w="med" len="med"/>
+          </a:ln>
+          <a:effectLst/>
+        </p:spPr>
+      </p:cxnSp>
+      <p:cxnSp>
+        <p:nvCxnSpPr>
+          <p:cNvPr id="80" name="Connecteur droit avec flèche 79"/>
+          <p:cNvCxnSpPr/>
+          <p:nvPr/>
+        </p:nvCxnSpPr>
+        <p:spPr>
+          <a:xfrm flipV="1">
+            <a:off x="8209116" y="2864959"/>
+            <a:ext cx="0" cy="542283"/>
+          </a:xfrm>
+          <a:prstGeom prst="straightConnector1">
+            <a:avLst/>
+          </a:prstGeom>
+          <a:noFill/>
+          <a:ln w="28575" cap="flat" cmpd="sng" algn="ctr">
+            <a:solidFill>
+              <a:srgbClr val="4F81BD">
+                <a:shade val="95000"/>
+                <a:satMod val="105000"/>
+              </a:srgbClr>
+            </a:solidFill>
+            <a:prstDash val="solid"/>
+            <a:headEnd type="none" w="med" len="med"/>
+            <a:tailEnd type="none" w="med" len="med"/>
+          </a:ln>
+          <a:effectLst/>
+        </p:spPr>
+      </p:cxnSp>
+      <p:cxnSp>
+        <p:nvCxnSpPr>
+          <p:cNvPr id="82" name="Connecteur droit 81"/>
+          <p:cNvCxnSpPr/>
+          <p:nvPr/>
+        </p:nvCxnSpPr>
+        <p:spPr>
+          <a:xfrm flipH="1">
+            <a:off x="185760" y="2864959"/>
+            <a:ext cx="8023358" cy="0"/>
+          </a:xfrm>
+          <a:prstGeom prst="line">
+            <a:avLst/>
+          </a:prstGeom>
+          <a:noFill/>
+          <a:ln w="28575" cap="flat" cmpd="sng" algn="ctr">
+            <a:solidFill>
+              <a:schemeClr val="accent1"/>
+            </a:solidFill>
+            <a:prstDash val="solid"/>
+            <a:headEnd type="none" w="med" len="med"/>
+            <a:tailEnd type="none" w="med" len="med"/>
+          </a:ln>
+          <a:effectLst/>
+        </p:spPr>
+      </p:cxnSp>
+      <p:cxnSp>
+        <p:nvCxnSpPr>
+          <p:cNvPr id="85" name="Connecteur droit 84"/>
+          <p:cNvCxnSpPr/>
+          <p:nvPr/>
+        </p:nvCxnSpPr>
+        <p:spPr>
+          <a:xfrm>
+            <a:off x="185760" y="1339600"/>
+            <a:ext cx="0" cy="1525359"/>
+          </a:xfrm>
+          <a:prstGeom prst="line">
+            <a:avLst/>
+          </a:prstGeom>
+          <a:noFill/>
+          <a:ln w="28575" cap="flat" cmpd="sng" algn="ctr">
+            <a:solidFill>
+              <a:schemeClr val="accent1"/>
+            </a:solidFill>
+            <a:prstDash val="solid"/>
+            <a:headEnd type="none" w="med" len="med"/>
+            <a:tailEnd type="none" w="med" len="med"/>
+          </a:ln>
+          <a:effectLst/>
+        </p:spPr>
+      </p:cxnSp>
+      <p:cxnSp>
+        <p:nvCxnSpPr>
+          <p:cNvPr id="88" name="Connecteur droit 87"/>
+          <p:cNvCxnSpPr/>
+          <p:nvPr/>
+        </p:nvCxnSpPr>
+        <p:spPr>
+          <a:xfrm flipH="1">
+            <a:off x="0" y="3049100"/>
+            <a:ext cx="6038228" cy="0"/>
+          </a:xfrm>
+          <a:prstGeom prst="line">
+            <a:avLst/>
+          </a:prstGeom>
+          <a:noFill/>
+          <a:ln w="28575" cap="flat" cmpd="sng" algn="ctr">
+            <a:solidFill>
+              <a:schemeClr val="accent1"/>
+            </a:solidFill>
+            <a:prstDash val="solid"/>
+            <a:headEnd type="none" w="med" len="med"/>
+            <a:tailEnd type="none" w="med" len="med"/>
+          </a:ln>
+          <a:effectLst/>
+        </p:spPr>
+      </p:cxnSp>
+      <p:cxnSp>
+        <p:nvCxnSpPr>
+          <p:cNvPr id="89" name="Connecteur droit 88"/>
+          <p:cNvCxnSpPr>
+            <a:endCxn id="108" idx="0"/>
+          </p:cNvCxnSpPr>
+          <p:nvPr/>
+        </p:nvCxnSpPr>
+        <p:spPr>
+          <a:xfrm>
+            <a:off x="6042688" y="3018862"/>
+            <a:ext cx="0" cy="396221"/>
+          </a:xfrm>
+          <a:prstGeom prst="line">
+            <a:avLst/>
+          </a:prstGeom>
+          <a:noFill/>
+          <a:ln w="28575" cap="flat" cmpd="sng" algn="ctr">
+            <a:solidFill>
+              <a:schemeClr val="accent1"/>
+            </a:solidFill>
+            <a:prstDash val="solid"/>
+            <a:headEnd type="none" w="med" len="med"/>
+            <a:tailEnd type="none" w="med" len="med"/>
+          </a:ln>
+          <a:effectLst/>
+        </p:spPr>
+      </p:cxnSp>
+      <p:cxnSp>
+        <p:nvCxnSpPr>
+          <p:cNvPr id="92" name="Connecteur droit 91"/>
+          <p:cNvCxnSpPr/>
+          <p:nvPr/>
+        </p:nvCxnSpPr>
+        <p:spPr>
+          <a:xfrm>
+            <a:off x="0" y="620658"/>
+            <a:ext cx="0" cy="2416939"/>
+          </a:xfrm>
+          <a:prstGeom prst="line">
+            <a:avLst/>
+          </a:prstGeom>
+          <a:noFill/>
+          <a:ln w="28575" cap="flat" cmpd="sng" algn="ctr">
+            <a:solidFill>
+              <a:schemeClr val="accent1"/>
+            </a:solidFill>
+            <a:prstDash val="solid"/>
+            <a:headEnd type="none" w="med" len="med"/>
+            <a:tailEnd type="none" w="med" len="med"/>
+          </a:ln>
+          <a:effectLst/>
+        </p:spPr>
+      </p:cxnSp>
     </p:spTree>
     <p:extLst>
       <p:ext uri="{BB962C8B-B14F-4D97-AF65-F5344CB8AC3E}">

--- a/TD_IngenierieSystemes/CI_01_IS_TD_01_SysReeduc/images/Old/ChaineFonctionnelle.pptx
+++ b/TD_IngenierieSystemes/CI_01_IS_TD_01_SysReeduc/images/Old/ChaineFonctionnelle.pptx
@@ -8515,7 +8515,7 @@
                 </a:solidFill>
                 <a:latin typeface="Calibri"/>
               </a:rPr>
-              <a:t>Capteur d’efforts</a:t>
+              <a:t>Capteurs d’efforts</a:t>
             </a:r>
             <a:endParaRPr kumimoji="0" lang="fr-FR" sz="1000" b="0" i="0" u="none" strike="noStrike" kern="0" cap="none" spc="0" normalizeH="0" baseline="0" noProof="0" dirty="0" smtClean="0">
               <a:ln>
